--- a/Final Project Presentation2.pptx
+++ b/Final Project Presentation2.pptx
@@ -16925,18 +16925,18 @@
         </p:nvSpPr>
         <p:spPr>
           <a:xfrm>
-            <a:off x="1524000" y="1600200"/>
-            <a:ext cx="9829800" cy="4576763"/>
+            <a:off x="1524000" y="1600201"/>
+            <a:ext cx="9829800" cy="3373015"/>
           </a:xfrm>
         </p:spPr>
         <p:txBody>
-          <a:bodyPr>
-            <a:normAutofit fontScale="92500" lnSpcReduction="10000"/>
+          <a:bodyPr numCol="2">
+            <a:normAutofit/>
           </a:bodyPr>
           <a:lstStyle/>
           <a:p>
             <a:r>
-              <a:rPr lang="en-US" dirty="0">
+              <a:rPr lang="en-US" sz="2400" dirty="0">
                 <a:latin typeface="Arial" panose="020B0604020202020204" pitchFamily="34" charset="0"/>
                 <a:cs typeface="Arial" panose="020B0604020202020204" pitchFamily="34" charset="0"/>
               </a:rPr>
@@ -16945,7 +16945,7 @@
           </a:p>
           <a:p>
             <a:r>
-              <a:rPr lang="en-US" dirty="0">
+              <a:rPr lang="en-US" sz="2400" dirty="0">
                 <a:latin typeface="Arial" panose="020B0604020202020204" pitchFamily="34" charset="0"/>
                 <a:cs typeface="Arial" panose="020B0604020202020204" pitchFamily="34" charset="0"/>
               </a:rPr>
@@ -16954,7 +16954,27 @@
           </a:p>
           <a:p>
             <a:r>
-              <a:rPr lang="en-US" dirty="0">
+              <a:rPr lang="en-US" sz="2400" dirty="0">
+                <a:latin typeface="Arial" panose="020B0604020202020204" pitchFamily="34" charset="0"/>
+                <a:cs typeface="Arial" panose="020B0604020202020204" pitchFamily="34" charset="0"/>
+              </a:rPr>
+              <a:t>Python </a:t>
+            </a:r>
+            <a:r>
+              <a:rPr lang="en-US" sz="2400" dirty="0" err="1">
+                <a:latin typeface="Arial" panose="020B0604020202020204" pitchFamily="34" charset="0"/>
+                <a:cs typeface="Arial" panose="020B0604020202020204" pitchFamily="34" charset="0"/>
+              </a:rPr>
+              <a:t>Scikit</a:t>
+            </a:r>
+            <a:endParaRPr lang="en-US" sz="2400" dirty="0">
+              <a:latin typeface="Arial" panose="020B0604020202020204" pitchFamily="34" charset="0"/>
+              <a:cs typeface="Arial" panose="020B0604020202020204" pitchFamily="34" charset="0"/>
+            </a:endParaRPr>
+          </a:p>
+          <a:p>
+            <a:r>
+              <a:rPr lang="en-US" sz="2400" dirty="0">
                 <a:latin typeface="Arial" panose="020B0604020202020204" pitchFamily="34" charset="0"/>
                 <a:cs typeface="Arial" panose="020B0604020202020204" pitchFamily="34" charset="0"/>
               </a:rPr>
@@ -16963,14 +16983,14 @@
           </a:p>
           <a:p>
             <a:r>
-              <a:rPr lang="en-US" dirty="0" err="1">
+              <a:rPr lang="en-US" sz="2400" dirty="0" err="1">
                 <a:latin typeface="Arial" panose="020B0604020202020204" pitchFamily="34" charset="0"/>
                 <a:cs typeface="Arial" panose="020B0604020202020204" pitchFamily="34" charset="0"/>
               </a:rPr>
               <a:t>Keras</a:t>
             </a:r>
             <a:r>
-              <a:rPr lang="en-US" dirty="0">
+              <a:rPr lang="en-US" sz="2400" dirty="0">
                 <a:latin typeface="Arial" panose="020B0604020202020204" pitchFamily="34" charset="0"/>
                 <a:cs typeface="Arial" panose="020B0604020202020204" pitchFamily="34" charset="0"/>
               </a:rPr>
@@ -16979,7 +16999,16 @@
           </a:p>
           <a:p>
             <a:r>
-              <a:rPr lang="en-US" dirty="0">
+              <a:rPr lang="en-US" sz="2400" dirty="0">
+                <a:latin typeface="Arial" panose="020B0604020202020204" pitchFamily="34" charset="0"/>
+                <a:cs typeface="Arial" panose="020B0604020202020204" pitchFamily="34" charset="0"/>
+              </a:rPr>
+              <a:t>Supervised Learning K-Means Model</a:t>
+            </a:r>
+          </a:p>
+          <a:p>
+            <a:r>
+              <a:rPr lang="en-US" sz="2400" dirty="0">
                 <a:latin typeface="Arial" panose="020B0604020202020204" pitchFamily="34" charset="0"/>
                 <a:cs typeface="Arial" panose="020B0604020202020204" pitchFamily="34" charset="0"/>
               </a:rPr>
@@ -16988,7 +17017,7 @@
           </a:p>
           <a:p>
             <a:r>
-              <a:rPr lang="en-US" dirty="0">
+              <a:rPr lang="en-US" sz="2400" dirty="0">
                 <a:latin typeface="Arial" panose="020B0604020202020204" pitchFamily="34" charset="0"/>
                 <a:cs typeface="Arial" panose="020B0604020202020204" pitchFamily="34" charset="0"/>
               </a:rPr>
@@ -16997,7 +17026,7 @@
           </a:p>
           <a:p>
             <a:r>
-              <a:rPr lang="en-US" dirty="0">
+              <a:rPr lang="en-US" sz="2400" dirty="0">
                 <a:latin typeface="Arial" panose="020B0604020202020204" pitchFamily="34" charset="0"/>
                 <a:cs typeface="Arial" panose="020B0604020202020204" pitchFamily="34" charset="0"/>
               </a:rPr>
@@ -17006,7 +17035,7 @@
           </a:p>
           <a:p>
             <a:r>
-              <a:rPr lang="en-US" dirty="0">
+              <a:rPr lang="en-US" sz="2400" dirty="0">
                 <a:latin typeface="Arial" panose="020B0604020202020204" pitchFamily="34" charset="0"/>
                 <a:cs typeface="Arial" panose="020B0604020202020204" pitchFamily="34" charset="0"/>
               </a:rPr>
@@ -17015,7 +17044,16 @@
           </a:p>
           <a:p>
             <a:r>
-              <a:rPr lang="en-US" dirty="0">
+              <a:rPr lang="en-US" sz="2400" dirty="0">
+                <a:latin typeface="Arial" panose="020B0604020202020204" pitchFamily="34" charset="0"/>
+                <a:cs typeface="Arial" panose="020B0604020202020204" pitchFamily="34" charset="0"/>
+              </a:rPr>
+              <a:t>YouTube Livestream</a:t>
+            </a:r>
+          </a:p>
+          <a:p>
+            <a:r>
+              <a:rPr lang="en-US" sz="2400" dirty="0">
                 <a:latin typeface="Arial" panose="020B0604020202020204" pitchFamily="34" charset="0"/>
                 <a:cs typeface="Arial" panose="020B0604020202020204" pitchFamily="34" charset="0"/>
               </a:rPr>
@@ -17024,7 +17062,7 @@
           </a:p>
           <a:p>
             <a:r>
-              <a:rPr lang="en-US" dirty="0">
+              <a:rPr lang="en-US" sz="2400" dirty="0">
                 <a:latin typeface="Arial" panose="020B0604020202020204" pitchFamily="34" charset="0"/>
                 <a:cs typeface="Arial" panose="020B0604020202020204" pitchFamily="34" charset="0"/>
               </a:rPr>
